--- a/Presentations for Visual Studio Code MVA/05.Debugging-and-deploying-nodejs.pptx
+++ b/Presentations for Visual Studio Code MVA/05.Debugging-and-deploying-nodejs.pptx
@@ -216,7 +216,7 @@
           <a:p>
             <a:fld id="{312E7B4A-039C-48A2-9B2C-AF16AA3873D8}" type="datetimeFigureOut">
               <a:rPr lang="en-US" smtClean="0"/>
-              <a:t>7/27/2015</a:t>
+              <a:t>7/28/2015</a:t>
             </a:fld>
             <a:endParaRPr lang="en-US"/>
           </a:p>
@@ -381,7 +381,7 @@
           <a:p>
             <a:fld id="{DA005A0C-54D9-45AA-87D4-C551D08DFCE1}" type="datetimeFigureOut">
               <a:rPr lang="en-US" smtClean="0"/>
-              <a:t>7/27/2015</a:t>
+              <a:t>7/28/2015</a:t>
             </a:fld>
             <a:endParaRPr lang="en-US"/>
           </a:p>
@@ -3948,11 +3948,7 @@
             <a:pPr marL="914400" indent="-914400"/>
             <a:r>
               <a:rPr lang="en-US" dirty="0" smtClean="0"/>
-              <a:t>05 </a:t>
-            </a:r>
-            <a:r>
-              <a:rPr lang="en-US" dirty="0" smtClean="0"/>
-              <a:t>| Debugging and Deploying on Azure</a:t>
+              <a:t>05 | Debugging and Deploying on Azure</a:t>
             </a:r>
             <a:endParaRPr lang="en-US" dirty="0"/>
           </a:p>
@@ -4062,11 +4058,7 @@
             <a:pPr marL="914400" indent="-914400"/>
             <a:r>
               <a:rPr lang="en-US" dirty="0" smtClean="0"/>
-              <a:t>06 | Deploying to Azure with </a:t>
-            </a:r>
-            <a:r>
-              <a:rPr lang="en-US" dirty="0" smtClean="0"/>
-              <a:t>GitHub</a:t>
+              <a:t>06 | Deploying to Azure with GitHub</a:t>
             </a:r>
             <a:endParaRPr lang="en-US" dirty="0"/>
           </a:p>
@@ -4168,11 +4160,7 @@
           <a:p>
             <a:r>
               <a:rPr lang="en-US" dirty="0" smtClean="0"/>
-              <a:t>Deploying to Azure with </a:t>
-            </a:r>
-            <a:r>
-              <a:rPr lang="en-US" dirty="0" smtClean="0"/>
-              <a:t>GitHub</a:t>
+              <a:t>Deploying to Azure with GitHub</a:t>
             </a:r>
             <a:endParaRPr lang="en-US" dirty="0"/>
           </a:p>
@@ -4233,11 +4221,7 @@
             <a:pPr marL="914400" indent="-914400"/>
             <a:r>
               <a:rPr lang="en-US" dirty="0" smtClean="0"/>
-              <a:t>06 | </a:t>
-            </a:r>
-            <a:r>
-              <a:rPr lang="en-US" dirty="0" smtClean="0"/>
-              <a:t>Advanced Debugging</a:t>
+              <a:t>06 | Advanced Debugging</a:t>
             </a:r>
             <a:endParaRPr lang="en-US" dirty="0"/>
           </a:p>
@@ -4436,31 +4420,20 @@
           <a:p>
             <a:r>
               <a:rPr lang="en-GB" dirty="0" smtClean="0"/>
-              <a:t>Deploying to Azure with </a:t>
-            </a:r>
-            <a:r>
-              <a:rPr lang="en-GB" smtClean="0"/>
-              <a:t>the Command Line</a:t>
-            </a:r>
-            <a:endParaRPr lang="en-GB" dirty="0" smtClean="0"/>
+              <a:t>Deploying to Azure with the Command Line</a:t>
+            </a:r>
           </a:p>
           <a:p>
             <a:r>
               <a:rPr lang="en-GB" dirty="0" smtClean="0"/>
-              <a:t>Deploying to Azure with </a:t>
-            </a:r>
-            <a:r>
-              <a:rPr lang="en-GB" dirty="0" smtClean="0"/>
-              <a:t>GitHub</a:t>
-            </a:r>
-            <a:endParaRPr lang="en-GB" dirty="0" smtClean="0"/>
+              <a:t>Deploying to Azure with GitHub</a:t>
+            </a:r>
           </a:p>
           <a:p>
             <a:r>
               <a:rPr lang="en-GB" dirty="0" smtClean="0"/>
               <a:t>Advanced Debugging</a:t>
             </a:r>
-            <a:endParaRPr lang="en-GB" dirty="0" smtClean="0"/>
           </a:p>
         </p:txBody>
       </p:sp>
@@ -4552,12 +4525,12 @@
               <a:t>06 | Azure </a:t>
             </a:r>
             <a:r>
-              <a:rPr lang="en-US" dirty="0" err="1" smtClean="0"/>
-              <a:t>WebSites</a:t>
-            </a:r>
-            <a:r>
-              <a:rPr lang="en-US" dirty="0" smtClean="0"/>
-              <a:t> Overview</a:t>
+              <a:rPr lang="en-US" dirty="0" smtClean="0"/>
+              <a:t>Web Apps </a:t>
+            </a:r>
+            <a:r>
+              <a:rPr lang="en-US" dirty="0" smtClean="0"/>
+              <a:t>Overview</a:t>
             </a:r>
             <a:endParaRPr lang="en-US" dirty="0"/>
           </a:p>
@@ -4659,7 +4632,11 @@
           <a:p>
             <a:r>
               <a:rPr lang="en-US" dirty="0" smtClean="0"/>
-              <a:t>Azure Websites</a:t>
+              <a:t>Azure </a:t>
+            </a:r>
+            <a:r>
+              <a:rPr lang="en-US" dirty="0" smtClean="0"/>
+              <a:t>Web Apps</a:t>
             </a:r>
             <a:endParaRPr lang="en-US" dirty="0"/>
           </a:p>
@@ -4682,7 +4659,15 @@
           <a:p>
             <a:r>
               <a:rPr lang="en-US" dirty="0" smtClean="0"/>
-              <a:t>Easy to deploy a variety of different web sites : node, python, </a:t>
+              <a:t>Easy to deploy a variety of different web </a:t>
+            </a:r>
+            <a:r>
+              <a:rPr lang="en-US" dirty="0" smtClean="0"/>
+              <a:t>sites: </a:t>
+            </a:r>
+            <a:r>
+              <a:rPr lang="en-US" dirty="0" smtClean="0"/>
+              <a:t>node, python, </a:t>
             </a:r>
             <a:r>
               <a:rPr lang="en-US" dirty="0" err="1" smtClean="0"/>
@@ -4696,14 +4681,24 @@
           <a:p>
             <a:r>
               <a:rPr lang="en-US" dirty="0" smtClean="0"/>
-              <a:t>Can install some software from the gallery like WordPress or preconfigured stacks ( MEAN stack ) </a:t>
-            </a:r>
+              <a:t>Can install some software from the gallery like WordPress or preconfigured stacks </a:t>
+            </a:r>
+            <a:r>
+              <a:rPr lang="en-US" dirty="0" smtClean="0"/>
+              <a:t>(MEAN stack).</a:t>
+            </a:r>
+            <a:endParaRPr lang="en-US" dirty="0" smtClean="0"/>
           </a:p>
           <a:p>
             <a:r>
               <a:rPr lang="en-US" dirty="0" smtClean="0"/>
               <a:t>Has a few limitations such as cannot configure ports, compile native modules for Node </a:t>
             </a:r>
+            <a:r>
+              <a:rPr lang="en-US" dirty="0" smtClean="0"/>
+              <a:t>.</a:t>
+            </a:r>
+            <a:endParaRPr lang="en-US" dirty="0" smtClean="0"/>
           </a:p>
           <a:p>
             <a:endParaRPr lang="en-US" dirty="0"/>
@@ -4757,7 +4752,11 @@
           <a:p>
             <a:r>
               <a:rPr lang="en-US" dirty="0" smtClean="0"/>
-              <a:t>Azure Websites</a:t>
+              <a:t>Azure </a:t>
+            </a:r>
+            <a:r>
+              <a:rPr lang="en-US" dirty="0" smtClean="0"/>
+              <a:t>Web Apps</a:t>
             </a:r>
             <a:endParaRPr lang="en-US" dirty="0"/>
           </a:p>
@@ -5024,11 +5023,7 @@
             <a:pPr marL="914400" indent="-914400"/>
             <a:r>
               <a:rPr lang="en-US" dirty="0" smtClean="0"/>
-              <a:t>06 | Deploying to Azure with </a:t>
-            </a:r>
-            <a:r>
-              <a:rPr lang="en-US" dirty="0" smtClean="0"/>
-              <a:t>the Command Line</a:t>
+              <a:t>06 | Deploying to Azure with the Command Line</a:t>
             </a:r>
             <a:endParaRPr lang="en-US" dirty="0"/>
           </a:p>
@@ -5130,11 +5125,7 @@
           <a:p>
             <a:r>
               <a:rPr lang="en-US" dirty="0" smtClean="0"/>
-              <a:t>Deploying to Azure with </a:t>
-            </a:r>
-            <a:r>
-              <a:rPr lang="en-US" dirty="0" smtClean="0"/>
-              <a:t>the Command Line</a:t>
+              <a:t>Deploying to Azure with the Command Line</a:t>
             </a:r>
             <a:endParaRPr lang="en-US" dirty="0"/>
           </a:p>
@@ -5961,12 +5952,6 @@
 </file>
 
 <file path=customXml/item1.xml><?xml version="1.0" encoding="utf-8"?>
-<p:properties xmlns:p="http://schemas.microsoft.com/office/2006/metadata/properties" xmlns:xsi="http://www.w3.org/2001/XMLSchema-instance" xmlns:pc="http://schemas.microsoft.com/office/infopath/2007/PartnerControls">
-  <documentManagement/>
-</p:properties>
-</file>
-
-<file path=customXml/item2.xml><?xml version="1.0" encoding="utf-8"?>
 <ct:contentTypeSchema xmlns:ct="http://schemas.microsoft.com/office/2006/metadata/contentType" xmlns:ma="http://schemas.microsoft.com/office/2006/metadata/properties/metaAttributes" ct:_="" ma:_="" ma:contentTypeName="Document" ma:contentTypeID="0x010100391E57C78B9F604FB8BAD296D1460E2A" ma:contentTypeVersion="1" ma:contentTypeDescription="Create a new document." ma:contentTypeScope="" ma:versionID="fb382fe2362acd2155f454904f478e4d">
   <xsd:schema xmlns:xsd="http://www.w3.org/2001/XMLSchema" xmlns:xs="http://www.w3.org/2001/XMLSchema" xmlns:p="http://schemas.microsoft.com/office/2006/metadata/properties" xmlns:ns3="636b0322-90fb-440c-9cbc-22749e7231e9" targetNamespace="http://schemas.microsoft.com/office/2006/metadata/properties" ma:root="true" ma:fieldsID="b9887c63ce4710c1aeb75a5f03aecb69" ns3:_="">
     <xsd:import namespace="636b0322-90fb-440c-9cbc-22749e7231e9"/>
@@ -6106,6 +6091,12 @@
 </ct:contentTypeSchema>
 </file>
 
+<file path=customXml/item2.xml><?xml version="1.0" encoding="utf-8"?>
+<p:properties xmlns:p="http://schemas.microsoft.com/office/2006/metadata/properties" xmlns:xsi="http://www.w3.org/2001/XMLSchema-instance" xmlns:pc="http://schemas.microsoft.com/office/infopath/2007/PartnerControls">
+  <documentManagement/>
+</p:properties>
+</file>
+
 <file path=customXml/item3.xml><?xml version="1.0" encoding="utf-8"?>
 <?mso-contentType ?>
 <FormTemplates xmlns="http://schemas.microsoft.com/sharepoint/v3/contenttype/forms">
@@ -6116,22 +6107,6 @@
 </file>
 
 <file path=customXml/itemProps1.xml><?xml version="1.0" encoding="utf-8"?>
-<ds:datastoreItem xmlns:ds="http://schemas.openxmlformats.org/officeDocument/2006/customXml" ds:itemID="{7025FDD9-4C58-4084-9F89-0E6ADD6FFF55}">
-  <ds:schemaRefs>
-    <ds:schemaRef ds:uri="http://purl.org/dc/elements/1.1/"/>
-    <ds:schemaRef ds:uri="http://schemas.microsoft.com/office/2006/metadata/properties"/>
-    <ds:schemaRef ds:uri="636b0322-90fb-440c-9cbc-22749e7231e9"/>
-    <ds:schemaRef ds:uri="http://purl.org/dc/terms/"/>
-    <ds:schemaRef ds:uri="http://schemas.openxmlformats.org/package/2006/metadata/core-properties"/>
-    <ds:schemaRef ds:uri="http://schemas.microsoft.com/office/2006/documentManagement/types"/>
-    <ds:schemaRef ds:uri="http://schemas.microsoft.com/office/infopath/2007/PartnerControls"/>
-    <ds:schemaRef ds:uri="http://www.w3.org/XML/1998/namespace"/>
-    <ds:schemaRef ds:uri="http://purl.org/dc/dcmitype/"/>
-  </ds:schemaRefs>
-</ds:datastoreItem>
-</file>
-
-<file path=customXml/itemProps2.xml><?xml version="1.0" encoding="utf-8"?>
 <ds:datastoreItem xmlns:ds="http://schemas.openxmlformats.org/officeDocument/2006/customXml" ds:itemID="{7B70CE0C-0988-423A-BF66-B40F6A1061FF}">
   <ds:schemaRefs>
     <ds:schemaRef ds:uri="http://schemas.microsoft.com/office/2006/metadata/contentType"/>
@@ -6149,6 +6124,22 @@
 </ds:datastoreItem>
 </file>
 
+<file path=customXml/itemProps2.xml><?xml version="1.0" encoding="utf-8"?>
+<ds:datastoreItem xmlns:ds="http://schemas.openxmlformats.org/officeDocument/2006/customXml" ds:itemID="{7025FDD9-4C58-4084-9F89-0E6ADD6FFF55}">
+  <ds:schemaRefs>
+    <ds:schemaRef ds:uri="http://purl.org/dc/elements/1.1/"/>
+    <ds:schemaRef ds:uri="http://schemas.microsoft.com/office/2006/metadata/properties"/>
+    <ds:schemaRef ds:uri="636b0322-90fb-440c-9cbc-22749e7231e9"/>
+    <ds:schemaRef ds:uri="http://purl.org/dc/terms/"/>
+    <ds:schemaRef ds:uri="http://schemas.openxmlformats.org/package/2006/metadata/core-properties"/>
+    <ds:schemaRef ds:uri="http://schemas.microsoft.com/office/2006/documentManagement/types"/>
+    <ds:schemaRef ds:uri="http://schemas.microsoft.com/office/infopath/2007/PartnerControls"/>
+    <ds:schemaRef ds:uri="http://www.w3.org/XML/1998/namespace"/>
+    <ds:schemaRef ds:uri="http://purl.org/dc/dcmitype/"/>
+  </ds:schemaRefs>
+</ds:datastoreItem>
+</file>
+
 <file path=customXml/itemProps3.xml><?xml version="1.0" encoding="utf-8"?>
 <ds:datastoreItem xmlns:ds="http://schemas.openxmlformats.org/officeDocument/2006/customXml" ds:itemID="{B0CA13EC-1D3C-4D6F-8D1C-E8A452CFC79A}">
   <ds:schemaRefs>

--- a/Presentations for Visual Studio Code MVA/05.Debugging-and-deploying-nodejs.pptx
+++ b/Presentations for Visual Studio Code MVA/05.Debugging-and-deploying-nodejs.pptx
@@ -5,10 +5,10 @@
     <p:sldMasterId id="2147483660" r:id="rId4"/>
   </p:sldMasterIdLst>
   <p:notesMasterIdLst>
-    <p:notesMasterId r:id="rId19"/>
+    <p:notesMasterId r:id="rId17"/>
   </p:notesMasterIdLst>
   <p:handoutMasterIdLst>
-    <p:handoutMasterId r:id="rId20"/>
+    <p:handoutMasterId r:id="rId18"/>
   </p:handoutMasterIdLst>
   <p:sldIdLst>
     <p:sldId id="256" r:id="rId5"/>
@@ -18,13 +18,11 @@
     <p:sldId id="284" r:id="rId9"/>
     <p:sldId id="275" r:id="rId10"/>
     <p:sldId id="282" r:id="rId11"/>
-    <p:sldId id="273" r:id="rId12"/>
-    <p:sldId id="280" r:id="rId13"/>
-    <p:sldId id="278" r:id="rId14"/>
-    <p:sldId id="279" r:id="rId15"/>
-    <p:sldId id="277" r:id="rId16"/>
-    <p:sldId id="281" r:id="rId17"/>
-    <p:sldId id="263" r:id="rId18"/>
+    <p:sldId id="278" r:id="rId12"/>
+    <p:sldId id="279" r:id="rId13"/>
+    <p:sldId id="277" r:id="rId14"/>
+    <p:sldId id="281" r:id="rId15"/>
+    <p:sldId id="263" r:id="rId16"/>
   </p:sldIdLst>
   <p:sldSz cx="12192000" cy="6858000"/>
   <p:notesSz cx="6858000" cy="9144000"/>
@@ -216,7 +214,7 @@
           <a:p>
             <a:fld id="{312E7B4A-039C-48A2-9B2C-AF16AA3873D8}" type="datetimeFigureOut">
               <a:rPr lang="en-US" smtClean="0"/>
-              <a:t>7/28/2015</a:t>
+              <a:t>7/29/2015</a:t>
             </a:fld>
             <a:endParaRPr lang="en-US"/>
           </a:p>
@@ -381,7 +379,7 @@
           <a:p>
             <a:fld id="{DA005A0C-54D9-45AA-87D4-C551D08DFCE1}" type="datetimeFigureOut">
               <a:rPr lang="en-US" smtClean="0"/>
-              <a:t>7/28/2015</a:t>
+              <a:t>7/29/2015</a:t>
             </a:fld>
             <a:endParaRPr lang="en-US"/>
           </a:p>
@@ -1091,7 +1089,7 @@
     </p:spTree>
     <p:extLst>
       <p:ext uri="{BB962C8B-B14F-4D97-AF65-F5344CB8AC3E}">
-        <p14:creationId xmlns:p14="http://schemas.microsoft.com/office/powerpoint/2010/main" val="4132541823"/>
+        <p14:creationId xmlns:p14="http://schemas.microsoft.com/office/powerpoint/2010/main" val="1391602933"/>
       </p:ext>
     </p:extLst>
   </p:cSld>
@@ -1154,96 +1152,6 @@
               <a:rPr lang="en-US" smtClean="0"/>
               <a:pPr/>
               <a:t>10</a:t>
-            </a:fld>
-            <a:endParaRPr lang="en-US" dirty="0"/>
-          </a:p>
-        </p:txBody>
-      </p:sp>
-      <p:sp>
-        <p:nvSpPr>
-          <p:cNvPr id="3" name="Notes Placeholder 2"/>
-          <p:cNvSpPr>
-            <a:spLocks noGrp="1"/>
-          </p:cNvSpPr>
-          <p:nvPr>
-            <p:ph type="body" idx="1"/>
-          </p:nvPr>
-        </p:nvSpPr>
-        <p:spPr/>
-        <p:txBody>
-          <a:bodyPr/>
-          <a:lstStyle/>
-          <a:p>
-            <a:endParaRPr lang="en-US" dirty="0"/>
-          </a:p>
-        </p:txBody>
-      </p:sp>
-    </p:spTree>
-    <p:extLst>
-      <p:ext uri="{BB962C8B-B14F-4D97-AF65-F5344CB8AC3E}">
-        <p14:creationId xmlns:p14="http://schemas.microsoft.com/office/powerpoint/2010/main" val="1391602933"/>
-      </p:ext>
-    </p:extLst>
-  </p:cSld>
-  <p:clrMapOvr>
-    <a:masterClrMapping/>
-  </p:clrMapOvr>
-</p:notes>
-</file>
-
-<file path=ppt/notesSlides/notesSlide7.xml><?xml version="1.0" encoding="utf-8"?>
-<p:notes xmlns:a="http://schemas.openxmlformats.org/drawingml/2006/main" xmlns:r="http://schemas.openxmlformats.org/officeDocument/2006/relationships" xmlns:p="http://schemas.openxmlformats.org/presentationml/2006/main">
-  <p:cSld>
-    <p:spTree>
-      <p:nvGrpSpPr>
-        <p:cNvPr id="1" name=""/>
-        <p:cNvGrpSpPr/>
-        <p:nvPr/>
-      </p:nvGrpSpPr>
-      <p:grpSpPr>
-        <a:xfrm>
-          <a:off x="0" y="0"/>
-          <a:ext cx="0" cy="0"/>
-          <a:chOff x="0" y="0"/>
-          <a:chExt cx="0" cy="0"/>
-        </a:xfrm>
-      </p:grpSpPr>
-      <p:sp>
-        <p:nvSpPr>
-          <p:cNvPr id="2" name="Slide Image Placeholder 1"/>
-          <p:cNvSpPr>
-            <a:spLocks noGrp="1" noRot="1" noChangeAspect="1"/>
-          </p:cNvSpPr>
-          <p:nvPr>
-            <p:ph type="sldImg"/>
-          </p:nvPr>
-        </p:nvSpPr>
-        <p:spPr>
-          <a:xfrm>
-            <a:off x="381000" y="685800"/>
-            <a:ext cx="6096000" cy="3429000"/>
-          </a:xfrm>
-        </p:spPr>
-      </p:sp>
-      <p:sp>
-        <p:nvSpPr>
-          <p:cNvPr id="4" name="Slide Number Placeholder 3"/>
-          <p:cNvSpPr>
-            <a:spLocks noGrp="1"/>
-          </p:cNvSpPr>
-          <p:nvPr>
-            <p:ph type="sldNum" sz="quarter" idx="10"/>
-          </p:nvPr>
-        </p:nvSpPr>
-        <p:spPr/>
-        <p:txBody>
-          <a:bodyPr/>
-          <a:lstStyle/>
-          <a:p>
-            <a:fld id="{13F0F35F-DD44-4607-AEC1-49D7A4BC4066}" type="slidenum">
-              <a:rPr lang="en-US" smtClean="0"/>
-              <a:pPr/>
-              <a:t>12</a:t>
             </a:fld>
             <a:endParaRPr lang="en-US" dirty="0"/>
           </a:p>
@@ -4058,7 +3966,11 @@
             <a:pPr marL="914400" indent="-914400"/>
             <a:r>
               <a:rPr lang="en-US" dirty="0" smtClean="0"/>
-              <a:t>06 | Deploying to Azure with GitHub</a:t>
+              <a:t>05 </a:t>
+            </a:r>
+            <a:r>
+              <a:rPr lang="en-US" dirty="0" smtClean="0"/>
+              <a:t>| Advanced Debugging</a:t>
             </a:r>
             <a:endParaRPr lang="en-US" dirty="0"/>
           </a:p>
@@ -4109,7 +4021,7 @@
     </p:spTree>
     <p:extLst>
       <p:ext uri="{BB962C8B-B14F-4D97-AF65-F5344CB8AC3E}">
-        <p14:creationId xmlns:p14="http://schemas.microsoft.com/office/powerpoint/2010/main" val="1329660202"/>
+        <p14:creationId xmlns:p14="http://schemas.microsoft.com/office/powerpoint/2010/main" val="3868399424"/>
       </p:ext>
     </p:extLst>
   </p:cSld>
@@ -4160,169 +4072,6 @@
           <a:p>
             <a:r>
               <a:rPr lang="en-US" dirty="0" smtClean="0"/>
-              <a:t>Deploying to Azure with GitHub</a:t>
-            </a:r>
-            <a:endParaRPr lang="en-US" dirty="0"/>
-          </a:p>
-        </p:txBody>
-      </p:sp>
-    </p:spTree>
-    <p:extLst>
-      <p:ext uri="{BB962C8B-B14F-4D97-AF65-F5344CB8AC3E}">
-        <p14:creationId xmlns:p14="http://schemas.microsoft.com/office/powerpoint/2010/main" val="3216181374"/>
-      </p:ext>
-    </p:extLst>
-  </p:cSld>
-  <p:clrMapOvr>
-    <a:masterClrMapping/>
-  </p:clrMapOvr>
-</p:sld>
-</file>
-
-<file path=ppt/slides/slide12.xml><?xml version="1.0" encoding="utf-8"?>
-<p:sld xmlns:a="http://schemas.openxmlformats.org/drawingml/2006/main" xmlns:r="http://schemas.openxmlformats.org/officeDocument/2006/relationships" xmlns:p="http://schemas.openxmlformats.org/presentationml/2006/main">
-  <p:cSld>
-    <p:spTree>
-      <p:nvGrpSpPr>
-        <p:cNvPr id="1" name=""/>
-        <p:cNvGrpSpPr/>
-        <p:nvPr/>
-      </p:nvGrpSpPr>
-      <p:grpSpPr>
-        <a:xfrm>
-          <a:off x="0" y="0"/>
-          <a:ext cx="0" cy="0"/>
-          <a:chOff x="0" y="0"/>
-          <a:chExt cx="0" cy="0"/>
-        </a:xfrm>
-      </p:grpSpPr>
-      <p:sp>
-        <p:nvSpPr>
-          <p:cNvPr id="5" name="Text Placeholder 4"/>
-          <p:cNvSpPr>
-            <a:spLocks noGrp="1"/>
-          </p:cNvSpPr>
-          <p:nvPr>
-            <p:ph type="body" sz="quarter" idx="10"/>
-          </p:nvPr>
-        </p:nvSpPr>
-        <p:spPr>
-          <a:solidFill>
-            <a:srgbClr val="007233"/>
-          </a:solidFill>
-          <a:ln>
-            <a:noFill/>
-          </a:ln>
-        </p:spPr>
-        <p:txBody>
-          <a:bodyPr/>
-          <a:lstStyle/>
-          <a:p>
-            <a:pPr marL="914400" indent="-914400"/>
-            <a:r>
-              <a:rPr lang="en-US" dirty="0" smtClean="0"/>
-              <a:t>06 | Advanced Debugging</a:t>
-            </a:r>
-            <a:endParaRPr lang="en-US" dirty="0"/>
-          </a:p>
-        </p:txBody>
-      </p:sp>
-      <p:sp>
-        <p:nvSpPr>
-          <p:cNvPr id="8" name="Subtitle 3"/>
-          <p:cNvSpPr>
-            <a:spLocks noGrp="1"/>
-          </p:cNvSpPr>
-          <p:nvPr>
-            <p:ph type="subTitle" idx="1"/>
-          </p:nvPr>
-        </p:nvSpPr>
-        <p:spPr>
-          <a:xfrm>
-            <a:off x="193271" y="5132437"/>
-            <a:ext cx="8579886" cy="1460779"/>
-          </a:xfrm>
-        </p:spPr>
-        <p:txBody>
-          <a:bodyPr/>
-          <a:lstStyle/>
-          <a:p>
-            <a:r>
-              <a:rPr lang="en-US" dirty="0" smtClean="0"/>
-              <a:t>Stacey Mulcahy </a:t>
-            </a:r>
-            <a:r>
-              <a:rPr lang="en-US" dirty="0"/>
-              <a:t>| </a:t>
-            </a:r>
-            <a:r>
-              <a:rPr lang="en-US" dirty="0" smtClean="0"/>
-              <a:t>Technical Evangelist</a:t>
-            </a:r>
-          </a:p>
-          <a:p>
-            <a:r>
-              <a:rPr lang="en-US" dirty="0" smtClean="0"/>
-              <a:t>Rami Sayar | Technical Evangelist </a:t>
-            </a:r>
-            <a:endParaRPr lang="en-US" dirty="0"/>
-          </a:p>
-        </p:txBody>
-      </p:sp>
-    </p:spTree>
-    <p:extLst>
-      <p:ext uri="{BB962C8B-B14F-4D97-AF65-F5344CB8AC3E}">
-        <p14:creationId xmlns:p14="http://schemas.microsoft.com/office/powerpoint/2010/main" val="3868399424"/>
-      </p:ext>
-    </p:extLst>
-  </p:cSld>
-  <p:clrMapOvr>
-    <a:masterClrMapping/>
-  </p:clrMapOvr>
-  <p:timing>
-    <p:tnLst>
-      <p:par>
-        <p:cTn id="1" dur="indefinite" restart="never" nodeType="tmRoot"/>
-      </p:par>
-    </p:tnLst>
-  </p:timing>
-</p:sld>
-</file>
-
-<file path=ppt/slides/slide13.xml><?xml version="1.0" encoding="utf-8"?>
-<p:sld xmlns:a="http://schemas.openxmlformats.org/drawingml/2006/main" xmlns:r="http://schemas.openxmlformats.org/officeDocument/2006/relationships" xmlns:p="http://schemas.openxmlformats.org/presentationml/2006/main">
-  <p:cSld>
-    <p:spTree>
-      <p:nvGrpSpPr>
-        <p:cNvPr id="1" name=""/>
-        <p:cNvGrpSpPr/>
-        <p:nvPr/>
-      </p:nvGrpSpPr>
-      <p:grpSpPr>
-        <a:xfrm>
-          <a:off x="0" y="0"/>
-          <a:ext cx="0" cy="0"/>
-          <a:chOff x="0" y="0"/>
-          <a:chExt cx="0" cy="0"/>
-        </a:xfrm>
-      </p:grpSpPr>
-      <p:sp>
-        <p:nvSpPr>
-          <p:cNvPr id="2" name="Title 1"/>
-          <p:cNvSpPr>
-            <a:spLocks noGrp="1"/>
-          </p:cNvSpPr>
-          <p:nvPr>
-            <p:ph type="title"/>
-          </p:nvPr>
-        </p:nvSpPr>
-        <p:spPr/>
-        <p:txBody>
-          <a:bodyPr/>
-          <a:lstStyle/>
-          <a:p>
-            <a:r>
-              <a:rPr lang="en-US" dirty="0" smtClean="0"/>
               <a:t>Advanced Debugging</a:t>
             </a:r>
             <a:endParaRPr lang="en-US" dirty="0"/>
@@ -4342,7 +4091,7 @@
 </p:sld>
 </file>
 
-<file path=ppt/slides/slide14.xml><?xml version="1.0" encoding="utf-8"?>
+<file path=ppt/slides/slide12.xml><?xml version="1.0" encoding="utf-8"?>
 <p:sld xmlns:a="http://schemas.openxmlformats.org/drawingml/2006/main" xmlns:r="http://schemas.openxmlformats.org/officeDocument/2006/relationships" xmlns:p="http://schemas.openxmlformats.org/presentationml/2006/main">
   <p:cSld>
     <p:spTree>
@@ -4522,15 +4271,11 @@
             <a:pPr marL="914400" indent="-914400"/>
             <a:r>
               <a:rPr lang="en-US" dirty="0" smtClean="0"/>
-              <a:t>06 | Azure </a:t>
-            </a:r>
-            <a:r>
-              <a:rPr lang="en-US" dirty="0" smtClean="0"/>
-              <a:t>Web Apps </a:t>
-            </a:r>
-            <a:r>
-              <a:rPr lang="en-US" dirty="0" smtClean="0"/>
-              <a:t>Overview</a:t>
+              <a:t>05 </a:t>
+            </a:r>
+            <a:r>
+              <a:rPr lang="en-US" dirty="0" smtClean="0"/>
+              <a:t>| Azure Web Apps Overview</a:t>
             </a:r>
             <a:endParaRPr lang="en-US" dirty="0"/>
           </a:p>
@@ -4632,11 +4377,7 @@
           <a:p>
             <a:r>
               <a:rPr lang="en-US" dirty="0" smtClean="0"/>
-              <a:t>Azure </a:t>
-            </a:r>
-            <a:r>
-              <a:rPr lang="en-US" dirty="0" smtClean="0"/>
-              <a:t>Web Apps</a:t>
+              <a:t>Azure Web Apps</a:t>
             </a:r>
             <a:endParaRPr lang="en-US" dirty="0"/>
           </a:p>
@@ -4659,15 +4400,7 @@
           <a:p>
             <a:r>
               <a:rPr lang="en-US" dirty="0" smtClean="0"/>
-              <a:t>Easy to deploy a variety of different web </a:t>
-            </a:r>
-            <a:r>
-              <a:rPr lang="en-US" dirty="0" smtClean="0"/>
-              <a:t>sites: </a:t>
-            </a:r>
-            <a:r>
-              <a:rPr lang="en-US" dirty="0" smtClean="0"/>
-              <a:t>node, python, </a:t>
+              <a:t>Easy to deploy a variety of different web sites: node, python, </a:t>
             </a:r>
             <a:r>
               <a:rPr lang="en-US" dirty="0" err="1" smtClean="0"/>
@@ -4681,24 +4414,14 @@
           <a:p>
             <a:r>
               <a:rPr lang="en-US" dirty="0" smtClean="0"/>
-              <a:t>Can install some software from the gallery like WordPress or preconfigured stacks </a:t>
-            </a:r>
-            <a:r>
-              <a:rPr lang="en-US" dirty="0" smtClean="0"/>
-              <a:t>(MEAN stack).</a:t>
-            </a:r>
-            <a:endParaRPr lang="en-US" dirty="0" smtClean="0"/>
-          </a:p>
-          <a:p>
-            <a:r>
-              <a:rPr lang="en-US" dirty="0" smtClean="0"/>
-              <a:t>Has a few limitations such as cannot configure ports, compile native modules for Node </a:t>
-            </a:r>
-            <a:r>
-              <a:rPr lang="en-US" dirty="0" smtClean="0"/>
-              <a:t>.</a:t>
-            </a:r>
-            <a:endParaRPr lang="en-US" dirty="0" smtClean="0"/>
+              <a:t>Can install some software from the gallery like WordPress or preconfigured stacks (MEAN stack).</a:t>
+            </a:r>
+          </a:p>
+          <a:p>
+            <a:r>
+              <a:rPr lang="en-US" dirty="0" smtClean="0"/>
+              <a:t>Has a few limitations such as cannot configure ports, compile native modules for Node .</a:t>
+            </a:r>
           </a:p>
           <a:p>
             <a:endParaRPr lang="en-US" dirty="0"/>
@@ -4752,11 +4475,7 @@
           <a:p>
             <a:r>
               <a:rPr lang="en-US" dirty="0" smtClean="0"/>
-              <a:t>Azure </a:t>
-            </a:r>
-            <a:r>
-              <a:rPr lang="en-US" dirty="0" smtClean="0"/>
-              <a:t>Web Apps</a:t>
+              <a:t>Azure Web Apps</a:t>
             </a:r>
             <a:endParaRPr lang="en-US" dirty="0"/>
           </a:p>
@@ -4860,7 +4579,11 @@
             <a:pPr marL="914400" indent="-914400"/>
             <a:r>
               <a:rPr lang="en-US" dirty="0" smtClean="0"/>
-              <a:t>06 | Introduction to the Azure Dashboard</a:t>
+              <a:t>05 </a:t>
+            </a:r>
+            <a:r>
+              <a:rPr lang="en-US" dirty="0" smtClean="0"/>
+              <a:t>| Introduction to the Azure Dashboard</a:t>
             </a:r>
             <a:endParaRPr lang="en-US" dirty="0"/>
           </a:p>
@@ -5023,7 +4746,11 @@
             <a:pPr marL="914400" indent="-914400"/>
             <a:r>
               <a:rPr lang="en-US" dirty="0" smtClean="0"/>
-              <a:t>06 | Deploying to Azure with the Command Line</a:t>
+              <a:t>05 </a:t>
+            </a:r>
+            <a:r>
+              <a:rPr lang="en-US" dirty="0" smtClean="0"/>
+              <a:t>| Deploying to Azure with GitHub</a:t>
             </a:r>
             <a:endParaRPr lang="en-US" dirty="0"/>
           </a:p>
@@ -5074,7 +4801,7 @@
     </p:spTree>
     <p:extLst>
       <p:ext uri="{BB962C8B-B14F-4D97-AF65-F5344CB8AC3E}">
-        <p14:creationId xmlns:p14="http://schemas.microsoft.com/office/powerpoint/2010/main" val="457090827"/>
+        <p14:creationId xmlns:p14="http://schemas.microsoft.com/office/powerpoint/2010/main" val="1329660202"/>
       </p:ext>
     </p:extLst>
   </p:cSld>
@@ -5125,7 +4852,7 @@
           <a:p>
             <a:r>
               <a:rPr lang="en-US" dirty="0" smtClean="0"/>
-              <a:t>Deploying to Azure with the Command Line</a:t>
+              <a:t>Deploying to Azure with GitHub</a:t>
             </a:r>
             <a:endParaRPr lang="en-US" dirty="0"/>
           </a:p>
@@ -5134,7 +4861,7 @@
     </p:spTree>
     <p:extLst>
       <p:ext uri="{BB962C8B-B14F-4D97-AF65-F5344CB8AC3E}">
-        <p14:creationId xmlns:p14="http://schemas.microsoft.com/office/powerpoint/2010/main" val="2548092044"/>
+        <p14:creationId xmlns:p14="http://schemas.microsoft.com/office/powerpoint/2010/main" val="3216181374"/>
       </p:ext>
     </p:extLst>
   </p:cSld>
@@ -5952,6 +5679,21 @@
 </file>
 
 <file path=customXml/item1.xml><?xml version="1.0" encoding="utf-8"?>
+<?mso-contentType ?>
+<FormTemplates xmlns="http://schemas.microsoft.com/sharepoint/v3/contenttype/forms">
+  <Display>DocumentLibraryForm</Display>
+  <Edit>DocumentLibraryForm</Edit>
+  <New>DocumentLibraryForm</New>
+</FormTemplates>
+</file>
+
+<file path=customXml/item2.xml><?xml version="1.0" encoding="utf-8"?>
+<p:properties xmlns:p="http://schemas.microsoft.com/office/2006/metadata/properties" xmlns:xsi="http://www.w3.org/2001/XMLSchema-instance" xmlns:pc="http://schemas.microsoft.com/office/infopath/2007/PartnerControls">
+  <documentManagement/>
+</p:properties>
+</file>
+
+<file path=customXml/item3.xml><?xml version="1.0" encoding="utf-8"?>
 <ct:contentTypeSchema xmlns:ct="http://schemas.microsoft.com/office/2006/metadata/contentType" xmlns:ma="http://schemas.microsoft.com/office/2006/metadata/properties/metaAttributes" ct:_="" ma:_="" ma:contentTypeName="Document" ma:contentTypeID="0x010100391E57C78B9F604FB8BAD296D1460E2A" ma:contentTypeVersion="1" ma:contentTypeDescription="Create a new document." ma:contentTypeScope="" ma:versionID="fb382fe2362acd2155f454904f478e4d">
   <xsd:schema xmlns:xsd="http://www.w3.org/2001/XMLSchema" xmlns:xs="http://www.w3.org/2001/XMLSchema" xmlns:p="http://schemas.microsoft.com/office/2006/metadata/properties" xmlns:ns3="636b0322-90fb-440c-9cbc-22749e7231e9" targetNamespace="http://schemas.microsoft.com/office/2006/metadata/properties" ma:root="true" ma:fieldsID="b9887c63ce4710c1aeb75a5f03aecb69" ns3:_="">
     <xsd:import namespace="636b0322-90fb-440c-9cbc-22749e7231e9"/>
@@ -6091,35 +5833,10 @@
 </ct:contentTypeSchema>
 </file>
 
-<file path=customXml/item2.xml><?xml version="1.0" encoding="utf-8"?>
-<p:properties xmlns:p="http://schemas.microsoft.com/office/2006/metadata/properties" xmlns:xsi="http://www.w3.org/2001/XMLSchema-instance" xmlns:pc="http://schemas.microsoft.com/office/infopath/2007/PartnerControls">
-  <documentManagement/>
-</p:properties>
-</file>
-
-<file path=customXml/item3.xml><?xml version="1.0" encoding="utf-8"?>
-<?mso-contentType ?>
-<FormTemplates xmlns="http://schemas.microsoft.com/sharepoint/v3/contenttype/forms">
-  <Display>DocumentLibraryForm</Display>
-  <Edit>DocumentLibraryForm</Edit>
-  <New>DocumentLibraryForm</New>
-</FormTemplates>
-</file>
-
 <file path=customXml/itemProps1.xml><?xml version="1.0" encoding="utf-8"?>
-<ds:datastoreItem xmlns:ds="http://schemas.openxmlformats.org/officeDocument/2006/customXml" ds:itemID="{7B70CE0C-0988-423A-BF66-B40F6A1061FF}">
+<ds:datastoreItem xmlns:ds="http://schemas.openxmlformats.org/officeDocument/2006/customXml" ds:itemID="{B0CA13EC-1D3C-4D6F-8D1C-E8A452CFC79A}">
   <ds:schemaRefs>
-    <ds:schemaRef ds:uri="http://schemas.microsoft.com/office/2006/metadata/contentType"/>
-    <ds:schemaRef ds:uri="http://schemas.microsoft.com/office/2006/metadata/properties/metaAttributes"/>
-    <ds:schemaRef ds:uri="http://www.w3.org/2001/XMLSchema"/>
-    <ds:schemaRef ds:uri="http://schemas.microsoft.com/office/2006/metadata/properties"/>
-    <ds:schemaRef ds:uri="636b0322-90fb-440c-9cbc-22749e7231e9"/>
-    <ds:schemaRef ds:uri="http://schemas.microsoft.com/office/2006/documentManagement/types"/>
-    <ds:schemaRef ds:uri="http://schemas.microsoft.com/office/infopath/2007/PartnerControls"/>
-    <ds:schemaRef ds:uri="http://schemas.openxmlformats.org/package/2006/metadata/core-properties"/>
-    <ds:schemaRef ds:uri="http://purl.org/dc/elements/1.1/"/>
-    <ds:schemaRef ds:uri="http://purl.org/dc/terms/"/>
-    <ds:schemaRef ds:uri="http://schemas.microsoft.com/internal/obd"/>
+    <ds:schemaRef ds:uri="http://schemas.microsoft.com/sharepoint/v3/contenttype/forms"/>
   </ds:schemaRefs>
 </ds:datastoreItem>
 </file>
@@ -6141,9 +5858,19 @@
 </file>
 
 <file path=customXml/itemProps3.xml><?xml version="1.0" encoding="utf-8"?>
-<ds:datastoreItem xmlns:ds="http://schemas.openxmlformats.org/officeDocument/2006/customXml" ds:itemID="{B0CA13EC-1D3C-4D6F-8D1C-E8A452CFC79A}">
+<ds:datastoreItem xmlns:ds="http://schemas.openxmlformats.org/officeDocument/2006/customXml" ds:itemID="{7B70CE0C-0988-423A-BF66-B40F6A1061FF}">
   <ds:schemaRefs>
-    <ds:schemaRef ds:uri="http://schemas.microsoft.com/sharepoint/v3/contenttype/forms"/>
+    <ds:schemaRef ds:uri="http://schemas.microsoft.com/office/2006/metadata/contentType"/>
+    <ds:schemaRef ds:uri="http://schemas.microsoft.com/office/2006/metadata/properties/metaAttributes"/>
+    <ds:schemaRef ds:uri="http://www.w3.org/2001/XMLSchema"/>
+    <ds:schemaRef ds:uri="http://schemas.microsoft.com/office/2006/metadata/properties"/>
+    <ds:schemaRef ds:uri="636b0322-90fb-440c-9cbc-22749e7231e9"/>
+    <ds:schemaRef ds:uri="http://schemas.microsoft.com/office/2006/documentManagement/types"/>
+    <ds:schemaRef ds:uri="http://schemas.microsoft.com/office/infopath/2007/PartnerControls"/>
+    <ds:schemaRef ds:uri="http://schemas.openxmlformats.org/package/2006/metadata/core-properties"/>
+    <ds:schemaRef ds:uri="http://purl.org/dc/elements/1.1/"/>
+    <ds:schemaRef ds:uri="http://purl.org/dc/terms/"/>
+    <ds:schemaRef ds:uri="http://schemas.microsoft.com/internal/obd"/>
   </ds:schemaRefs>
 </ds:datastoreItem>
 </file>